--- a/Projekty/Projekt1/Grupa3/ChojeckiWdowski/prez1.pptx
+++ b/Projekty/Projekt1/Grupa3/ChojeckiWdowski/prez1.pptx
@@ -205,7 +205,7 @@
           <a:p>
             <a:fld id="{E2B6482E-3B1F-48E3-A3E4-C5A4A59CE41F}" type="datetimeFigureOut">
               <a:rPr lang="pl-PL" smtClean="0"/>
-              <a:t>19.03.2020</a:t>
+              <a:t>22.04.2020</a:t>
             </a:fld>
             <a:endParaRPr lang="pl-PL"/>
           </a:p>
@@ -619,7 +619,7 @@
           <a:p>
             <a:fld id="{61BEEFBD-08F1-4053-BA2C-885D13267951}" type="datetimeFigureOut">
               <a:rPr lang="pl-PL" smtClean="0"/>
-              <a:t>19.03.2020</a:t>
+              <a:t>22.04.2020</a:t>
             </a:fld>
             <a:endParaRPr lang="pl-PL"/>
           </a:p>
@@ -817,7 +817,7 @@
           <a:p>
             <a:fld id="{61BEEFBD-08F1-4053-BA2C-885D13267951}" type="datetimeFigureOut">
               <a:rPr lang="pl-PL" smtClean="0"/>
-              <a:t>19.03.2020</a:t>
+              <a:t>22.04.2020</a:t>
             </a:fld>
             <a:endParaRPr lang="pl-PL"/>
           </a:p>
@@ -1025,7 +1025,7 @@
           <a:p>
             <a:fld id="{61BEEFBD-08F1-4053-BA2C-885D13267951}" type="datetimeFigureOut">
               <a:rPr lang="pl-PL" smtClean="0"/>
-              <a:t>19.03.2020</a:t>
+              <a:t>22.04.2020</a:t>
             </a:fld>
             <a:endParaRPr lang="pl-PL"/>
           </a:p>
@@ -1223,7 +1223,7 @@
           <a:p>
             <a:fld id="{61BEEFBD-08F1-4053-BA2C-885D13267951}" type="datetimeFigureOut">
               <a:rPr lang="pl-PL" smtClean="0"/>
-              <a:t>19.03.2020</a:t>
+              <a:t>22.04.2020</a:t>
             </a:fld>
             <a:endParaRPr lang="pl-PL"/>
           </a:p>
@@ -1498,7 +1498,7 @@
           <a:p>
             <a:fld id="{61BEEFBD-08F1-4053-BA2C-885D13267951}" type="datetimeFigureOut">
               <a:rPr lang="pl-PL" smtClean="0"/>
-              <a:t>19.03.2020</a:t>
+              <a:t>22.04.2020</a:t>
             </a:fld>
             <a:endParaRPr lang="pl-PL"/>
           </a:p>
@@ -1763,7 +1763,7 @@
           <a:p>
             <a:fld id="{61BEEFBD-08F1-4053-BA2C-885D13267951}" type="datetimeFigureOut">
               <a:rPr lang="pl-PL" smtClean="0"/>
-              <a:t>19.03.2020</a:t>
+              <a:t>22.04.2020</a:t>
             </a:fld>
             <a:endParaRPr lang="pl-PL"/>
           </a:p>
@@ -2175,7 +2175,7 @@
           <a:p>
             <a:fld id="{61BEEFBD-08F1-4053-BA2C-885D13267951}" type="datetimeFigureOut">
               <a:rPr lang="pl-PL" smtClean="0"/>
-              <a:t>19.03.2020</a:t>
+              <a:t>22.04.2020</a:t>
             </a:fld>
             <a:endParaRPr lang="pl-PL"/>
           </a:p>
@@ -2316,7 +2316,7 @@
           <a:p>
             <a:fld id="{61BEEFBD-08F1-4053-BA2C-885D13267951}" type="datetimeFigureOut">
               <a:rPr lang="pl-PL" smtClean="0"/>
-              <a:t>19.03.2020</a:t>
+              <a:t>22.04.2020</a:t>
             </a:fld>
             <a:endParaRPr lang="pl-PL"/>
           </a:p>
@@ -2429,7 +2429,7 @@
           <a:p>
             <a:fld id="{61BEEFBD-08F1-4053-BA2C-885D13267951}" type="datetimeFigureOut">
               <a:rPr lang="pl-PL" smtClean="0"/>
-              <a:t>19.03.2020</a:t>
+              <a:t>22.04.2020</a:t>
             </a:fld>
             <a:endParaRPr lang="pl-PL"/>
           </a:p>
@@ -2740,7 +2740,7 @@
           <a:p>
             <a:fld id="{61BEEFBD-08F1-4053-BA2C-885D13267951}" type="datetimeFigureOut">
               <a:rPr lang="pl-PL" smtClean="0"/>
-              <a:t>19.03.2020</a:t>
+              <a:t>22.04.2020</a:t>
             </a:fld>
             <a:endParaRPr lang="pl-PL"/>
           </a:p>
@@ -3028,7 +3028,7 @@
           <a:p>
             <a:fld id="{61BEEFBD-08F1-4053-BA2C-885D13267951}" type="datetimeFigureOut">
               <a:rPr lang="pl-PL" smtClean="0"/>
-              <a:t>19.03.2020</a:t>
+              <a:t>22.04.2020</a:t>
             </a:fld>
             <a:endParaRPr lang="pl-PL"/>
           </a:p>
@@ -3269,7 +3269,7 @@
           <a:p>
             <a:fld id="{61BEEFBD-08F1-4053-BA2C-885D13267951}" type="datetimeFigureOut">
               <a:rPr lang="pl-PL" smtClean="0"/>
-              <a:t>19.03.2020</a:t>
+              <a:t>22.04.2020</a:t>
             </a:fld>
             <a:endParaRPr lang="pl-PL"/>
           </a:p>
@@ -3864,7 +3864,7 @@
         </p:blipFill>
         <p:spPr>
           <a:xfrm>
-            <a:off x="1142649" y="863480"/>
+            <a:off x="971200" y="1010335"/>
             <a:ext cx="9906701" cy="5861953"/>
           </a:xfrm>
           <a:prstGeom prst="rect">
